--- a/doc/wireframe/sample_wireframe.pptx
+++ b/doc/wireframe/sample_wireframe.pptx
@@ -2966,39 +2966,785 @@
       </p:grpSpPr>
       <p:sp>
         <p:nvSpPr>
-          <p:cNvPr id="2" name="Title 1"/>
-          <p:cNvSpPr>
-            <a:spLocks noGrp="1"/>
-          </p:cNvSpPr>
-          <p:nvPr>
-            <p:ph type="ctrTitle"/>
-          </p:nvPr>
-        </p:nvSpPr>
-        <p:spPr/>
-        <p:txBody>
-          <a:bodyPr/>
-          <a:lstStyle/>
-          <a:p>
-            <a:endParaRPr lang="en-US"/>
-          </a:p>
-        </p:txBody>
-      </p:sp>
-      <p:sp>
-        <p:nvSpPr>
-          <p:cNvPr id="3" name="Subtitle 2"/>
-          <p:cNvSpPr>
-            <a:spLocks noGrp="1"/>
-          </p:cNvSpPr>
-          <p:nvPr>
-            <p:ph type="subTitle" idx="1"/>
-          </p:nvPr>
-        </p:nvSpPr>
-        <p:spPr/>
-        <p:txBody>
-          <a:bodyPr/>
-          <a:lstStyle/>
-          <a:p>
-            <a:endParaRPr lang="en-US"/>
+          <p:cNvPr id="4" name="Rectangle 3"/>
+          <p:cNvSpPr/>
+          <p:nvPr/>
+        </p:nvSpPr>
+        <p:spPr>
+          <a:xfrm>
+            <a:off x="0" y="0"/>
+            <a:ext cx="12192000" cy="647700"/>
+          </a:xfrm>
+          <a:prstGeom prst="rect">
+            <a:avLst/>
+          </a:prstGeom>
+        </p:spPr>
+        <p:style>
+          <a:lnRef idx="2">
+            <a:schemeClr val="accent1">
+              <a:shade val="50000"/>
+            </a:schemeClr>
+          </a:lnRef>
+          <a:fillRef idx="1">
+            <a:schemeClr val="accent1"/>
+          </a:fillRef>
+          <a:effectRef idx="0">
+            <a:schemeClr val="accent1"/>
+          </a:effectRef>
+          <a:fontRef idx="minor">
+            <a:schemeClr val="lt1"/>
+          </a:fontRef>
+        </p:style>
+        <p:txBody>
+          <a:bodyPr rtlCol="0" anchor="ctr"/>
+          <a:lstStyle/>
+          <a:p>
+            <a:r>
+              <a:rPr lang="en-US" sz="2800" dirty="0" smtClean="0"/>
+              <a:t>Top Bar</a:t>
+            </a:r>
+            <a:endParaRPr lang="en-US" sz="2800" dirty="0"/>
+          </a:p>
+        </p:txBody>
+      </p:sp>
+      <p:sp>
+        <p:nvSpPr>
+          <p:cNvPr id="5" name="Rectangle 4"/>
+          <p:cNvSpPr/>
+          <p:nvPr/>
+        </p:nvSpPr>
+        <p:spPr>
+          <a:xfrm>
+            <a:off x="0" y="647700"/>
+            <a:ext cx="2628900" cy="6210300"/>
+          </a:xfrm>
+          <a:prstGeom prst="rect">
+            <a:avLst/>
+          </a:prstGeom>
+          <a:solidFill>
+            <a:schemeClr val="bg2">
+              <a:lumMod val="75000"/>
+            </a:schemeClr>
+          </a:solidFill>
+        </p:spPr>
+        <p:style>
+          <a:lnRef idx="2">
+            <a:schemeClr val="accent1">
+              <a:shade val="50000"/>
+            </a:schemeClr>
+          </a:lnRef>
+          <a:fillRef idx="1">
+            <a:schemeClr val="accent1"/>
+          </a:fillRef>
+          <a:effectRef idx="0">
+            <a:schemeClr val="accent1"/>
+          </a:effectRef>
+          <a:fontRef idx="minor">
+            <a:schemeClr val="lt1"/>
+          </a:fontRef>
+        </p:style>
+        <p:txBody>
+          <a:bodyPr rtlCol="0" anchor="ctr"/>
+          <a:lstStyle/>
+          <a:p>
+            <a:pPr algn="ctr"/>
+            <a:endParaRPr lang="en-US"/>
+          </a:p>
+        </p:txBody>
+      </p:sp>
+      <p:sp>
+        <p:nvSpPr>
+          <p:cNvPr id="6" name="Rectangle 5"/>
+          <p:cNvSpPr/>
+          <p:nvPr/>
+        </p:nvSpPr>
+        <p:spPr>
+          <a:xfrm>
+            <a:off x="2628900" y="6210300"/>
+            <a:ext cx="9563100" cy="647700"/>
+          </a:xfrm>
+          <a:prstGeom prst="rect">
+            <a:avLst/>
+          </a:prstGeom>
+          <a:solidFill>
+            <a:schemeClr val="tx1"/>
+          </a:solidFill>
+        </p:spPr>
+        <p:style>
+          <a:lnRef idx="2">
+            <a:schemeClr val="accent1">
+              <a:shade val="50000"/>
+            </a:schemeClr>
+          </a:lnRef>
+          <a:fillRef idx="1">
+            <a:schemeClr val="accent1"/>
+          </a:fillRef>
+          <a:effectRef idx="0">
+            <a:schemeClr val="accent1"/>
+          </a:effectRef>
+          <a:fontRef idx="minor">
+            <a:schemeClr val="lt1"/>
+          </a:fontRef>
+        </p:style>
+        <p:txBody>
+          <a:bodyPr rtlCol="0" anchor="ctr"/>
+          <a:lstStyle/>
+          <a:p>
+            <a:r>
+              <a:rPr lang="en-US" sz="2800" dirty="0" smtClean="0"/>
+              <a:t>Footer</a:t>
+            </a:r>
+            <a:endParaRPr lang="en-US" sz="2800" dirty="0"/>
+          </a:p>
+        </p:txBody>
+      </p:sp>
+      <p:sp>
+        <p:nvSpPr>
+          <p:cNvPr id="7" name="Rounded Rectangle 6"/>
+          <p:cNvSpPr/>
+          <p:nvPr/>
+        </p:nvSpPr>
+        <p:spPr>
+          <a:xfrm>
+            <a:off x="114300" y="838200"/>
+            <a:ext cx="2298700" cy="495300"/>
+          </a:xfrm>
+          <a:prstGeom prst="roundRect">
+            <a:avLst/>
+          </a:prstGeom>
+        </p:spPr>
+        <p:style>
+          <a:lnRef idx="2">
+            <a:schemeClr val="accent1">
+              <a:shade val="50000"/>
+            </a:schemeClr>
+          </a:lnRef>
+          <a:fillRef idx="1">
+            <a:schemeClr val="accent1"/>
+          </a:fillRef>
+          <a:effectRef idx="0">
+            <a:schemeClr val="accent1"/>
+          </a:effectRef>
+          <a:fontRef idx="minor">
+            <a:schemeClr val="lt1"/>
+          </a:fontRef>
+        </p:style>
+        <p:txBody>
+          <a:bodyPr rtlCol="0" anchor="ctr"/>
+          <a:lstStyle/>
+          <a:p>
+            <a:pPr algn="ctr"/>
+            <a:r>
+              <a:rPr lang="en-US" sz="2400" dirty="0" smtClean="0"/>
+              <a:t>Page 1</a:t>
+            </a:r>
+            <a:endParaRPr lang="en-US" sz="2400" dirty="0"/>
+          </a:p>
+        </p:txBody>
+      </p:sp>
+      <p:sp>
+        <p:nvSpPr>
+          <p:cNvPr id="8" name="Rounded Rectangle 7"/>
+          <p:cNvSpPr/>
+          <p:nvPr/>
+        </p:nvSpPr>
+        <p:spPr>
+          <a:xfrm>
+            <a:off x="114300" y="1377950"/>
+            <a:ext cx="2298700" cy="495300"/>
+          </a:xfrm>
+          <a:prstGeom prst="roundRect">
+            <a:avLst/>
+          </a:prstGeom>
+        </p:spPr>
+        <p:style>
+          <a:lnRef idx="2">
+            <a:schemeClr val="accent1">
+              <a:shade val="50000"/>
+            </a:schemeClr>
+          </a:lnRef>
+          <a:fillRef idx="1">
+            <a:schemeClr val="accent1"/>
+          </a:fillRef>
+          <a:effectRef idx="0">
+            <a:schemeClr val="accent1"/>
+          </a:effectRef>
+          <a:fontRef idx="minor">
+            <a:schemeClr val="lt1"/>
+          </a:fontRef>
+        </p:style>
+        <p:txBody>
+          <a:bodyPr rtlCol="0" anchor="ctr"/>
+          <a:lstStyle/>
+          <a:p>
+            <a:pPr algn="ctr"/>
+            <a:r>
+              <a:rPr lang="en-US" sz="2400" dirty="0" smtClean="0"/>
+              <a:t>Page 2</a:t>
+            </a:r>
+            <a:endParaRPr lang="en-US" sz="2400" dirty="0"/>
+          </a:p>
+        </p:txBody>
+      </p:sp>
+      <p:sp>
+        <p:nvSpPr>
+          <p:cNvPr id="9" name="Rounded Rectangle 8"/>
+          <p:cNvSpPr/>
+          <p:nvPr/>
+        </p:nvSpPr>
+        <p:spPr>
+          <a:xfrm>
+            <a:off x="114300" y="1917700"/>
+            <a:ext cx="2298700" cy="495300"/>
+          </a:xfrm>
+          <a:prstGeom prst="roundRect">
+            <a:avLst/>
+          </a:prstGeom>
+        </p:spPr>
+        <p:style>
+          <a:lnRef idx="2">
+            <a:schemeClr val="accent1">
+              <a:shade val="50000"/>
+            </a:schemeClr>
+          </a:lnRef>
+          <a:fillRef idx="1">
+            <a:schemeClr val="accent1"/>
+          </a:fillRef>
+          <a:effectRef idx="0">
+            <a:schemeClr val="accent1"/>
+          </a:effectRef>
+          <a:fontRef idx="minor">
+            <a:schemeClr val="lt1"/>
+          </a:fontRef>
+        </p:style>
+        <p:txBody>
+          <a:bodyPr rtlCol="0" anchor="ctr"/>
+          <a:lstStyle/>
+          <a:p>
+            <a:pPr algn="ctr"/>
+            <a:r>
+              <a:rPr lang="en-US" sz="2400" dirty="0" smtClean="0"/>
+              <a:t>Page 3</a:t>
+            </a:r>
+            <a:endParaRPr lang="en-US" sz="2400" dirty="0"/>
+          </a:p>
+        </p:txBody>
+      </p:sp>
+      <p:sp>
+        <p:nvSpPr>
+          <p:cNvPr id="10" name="Rounded Rectangle 9"/>
+          <p:cNvSpPr/>
+          <p:nvPr/>
+        </p:nvSpPr>
+        <p:spPr>
+          <a:xfrm>
+            <a:off x="114300" y="2457450"/>
+            <a:ext cx="2298700" cy="495300"/>
+          </a:xfrm>
+          <a:prstGeom prst="roundRect">
+            <a:avLst/>
+          </a:prstGeom>
+        </p:spPr>
+        <p:style>
+          <a:lnRef idx="2">
+            <a:schemeClr val="accent1">
+              <a:shade val="50000"/>
+            </a:schemeClr>
+          </a:lnRef>
+          <a:fillRef idx="1">
+            <a:schemeClr val="accent1"/>
+          </a:fillRef>
+          <a:effectRef idx="0">
+            <a:schemeClr val="accent1"/>
+          </a:effectRef>
+          <a:fontRef idx="minor">
+            <a:schemeClr val="lt1"/>
+          </a:fontRef>
+        </p:style>
+        <p:txBody>
+          <a:bodyPr rtlCol="0" anchor="ctr"/>
+          <a:lstStyle/>
+          <a:p>
+            <a:pPr algn="ctr"/>
+            <a:r>
+              <a:rPr lang="en-US" sz="2400" dirty="0" smtClean="0"/>
+              <a:t>Page 4</a:t>
+            </a:r>
+            <a:endParaRPr lang="en-US" sz="2400" dirty="0"/>
+          </a:p>
+        </p:txBody>
+      </p:sp>
+      <p:pic>
+        <p:nvPicPr>
+          <p:cNvPr id="11" name="Picture 10"/>
+          <p:cNvPicPr>
+            <a:picLocks noChangeAspect="1"/>
+          </p:cNvPicPr>
+          <p:nvPr/>
+        </p:nvPicPr>
+        <p:blipFill>
+          <a:blip r:embed="rId2"/>
+          <a:stretch>
+            <a:fillRect/>
+          </a:stretch>
+        </p:blipFill>
+        <p:spPr>
+          <a:xfrm>
+            <a:off x="5054600" y="838200"/>
+            <a:ext cx="6985001" cy="5277787"/>
+          </a:xfrm>
+          <a:prstGeom prst="rect">
+            <a:avLst/>
+          </a:prstGeom>
+        </p:spPr>
+      </p:pic>
+      <p:sp>
+        <p:nvSpPr>
+          <p:cNvPr id="12" name="TextBox 11"/>
+          <p:cNvSpPr txBox="1"/>
+          <p:nvPr/>
+        </p:nvSpPr>
+        <p:spPr>
+          <a:xfrm>
+            <a:off x="2743200" y="838200"/>
+            <a:ext cx="2171700" cy="3600986"/>
+          </a:xfrm>
+          <a:prstGeom prst="rect">
+            <a:avLst/>
+          </a:prstGeom>
+          <a:noFill/>
+        </p:spPr>
+        <p:txBody>
+          <a:bodyPr wrap="square" rtlCol="0">
+            <a:spAutoFit/>
+          </a:bodyPr>
+          <a:lstStyle/>
+          <a:p>
+            <a:pPr fontAlgn="base"/>
+            <a:r>
+              <a:rPr lang="en-US" sz="1200" dirty="0" err="1"/>
+              <a:t>Perferendis</a:t>
+            </a:r>
+            <a:r>
+              <a:rPr lang="en-US" sz="1200" dirty="0"/>
+              <a:t> quae </a:t>
+            </a:r>
+            <a:r>
+              <a:rPr lang="en-US" sz="1200" dirty="0" err="1"/>
+              <a:t>aut</a:t>
+            </a:r>
+            <a:r>
+              <a:rPr lang="en-US" sz="1200" dirty="0"/>
+              <a:t> </a:t>
+            </a:r>
+            <a:r>
+              <a:rPr lang="en-US" sz="1200" dirty="0" err="1"/>
+              <a:t>quidem</a:t>
+            </a:r>
+            <a:r>
+              <a:rPr lang="en-US" sz="1200" dirty="0"/>
+              <a:t> </a:t>
+            </a:r>
+            <a:r>
+              <a:rPr lang="en-US" sz="1200" dirty="0" err="1"/>
+              <a:t>aliquam</a:t>
+            </a:r>
+            <a:r>
+              <a:rPr lang="en-US" sz="1200" dirty="0"/>
+              <a:t> </a:t>
+            </a:r>
+            <a:r>
+              <a:rPr lang="en-US" sz="1200" dirty="0" err="1"/>
+              <a:t>incidunt</a:t>
+            </a:r>
+            <a:r>
+              <a:rPr lang="en-US" sz="1200" dirty="0"/>
+              <a:t> minima nostrum. </a:t>
+            </a:r>
+            <a:r>
+              <a:rPr lang="en-US" sz="1200" dirty="0" err="1"/>
+              <a:t>Adipisci</a:t>
+            </a:r>
+            <a:r>
+              <a:rPr lang="en-US" sz="1200" dirty="0"/>
+              <a:t> </a:t>
+            </a:r>
+            <a:r>
+              <a:rPr lang="en-US" sz="1200" dirty="0" err="1"/>
+              <a:t>consequatur</a:t>
+            </a:r>
+            <a:r>
+              <a:rPr lang="en-US" sz="1200" dirty="0"/>
+              <a:t> </a:t>
+            </a:r>
+            <a:r>
+              <a:rPr lang="en-US" sz="1200" dirty="0" err="1"/>
+              <a:t>blanditiis</a:t>
+            </a:r>
+            <a:r>
+              <a:rPr lang="en-US" sz="1200" dirty="0"/>
+              <a:t> </a:t>
+            </a:r>
+            <a:r>
+              <a:rPr lang="en-US" sz="1200" dirty="0" err="1"/>
+              <a:t>porro</a:t>
+            </a:r>
+            <a:r>
+              <a:rPr lang="en-US" sz="1200" dirty="0"/>
+              <a:t> </a:t>
+            </a:r>
+            <a:r>
+              <a:rPr lang="en-US" sz="1200" dirty="0" err="1"/>
+              <a:t>vero</a:t>
+            </a:r>
+            <a:r>
+              <a:rPr lang="en-US" sz="1200" dirty="0"/>
+              <a:t> </a:t>
+            </a:r>
+            <a:r>
+              <a:rPr lang="en-US" sz="1200" dirty="0" err="1"/>
+              <a:t>dolorum</a:t>
+            </a:r>
+            <a:r>
+              <a:rPr lang="en-US" sz="1200" dirty="0"/>
+              <a:t>. </a:t>
+            </a:r>
+            <a:r>
+              <a:rPr lang="en-US" sz="1200" dirty="0" err="1"/>
+              <a:t>Voluptas</a:t>
+            </a:r>
+            <a:r>
+              <a:rPr lang="en-US" sz="1200" dirty="0"/>
+              <a:t> </a:t>
+            </a:r>
+            <a:r>
+              <a:rPr lang="en-US" sz="1200" dirty="0" err="1"/>
+              <a:t>est</a:t>
+            </a:r>
+            <a:r>
+              <a:rPr lang="en-US" sz="1200" dirty="0"/>
+              <a:t> </a:t>
+            </a:r>
+            <a:r>
+              <a:rPr lang="en-US" sz="1200" dirty="0" err="1"/>
+              <a:t>quia</a:t>
+            </a:r>
+            <a:r>
+              <a:rPr lang="en-US" sz="1200" dirty="0"/>
+              <a:t> </a:t>
+            </a:r>
+            <a:r>
+              <a:rPr lang="en-US" sz="1200" dirty="0" err="1"/>
+              <a:t>quis</a:t>
+            </a:r>
+            <a:r>
+              <a:rPr lang="en-US" sz="1200" dirty="0"/>
+              <a:t> </a:t>
+            </a:r>
+            <a:r>
+              <a:rPr lang="en-US" sz="1200" dirty="0" err="1"/>
+              <a:t>fugiat</a:t>
+            </a:r>
+            <a:r>
+              <a:rPr lang="en-US" sz="1200" dirty="0"/>
+              <a:t>. </a:t>
+            </a:r>
+            <a:r>
+              <a:rPr lang="en-US" sz="1200" dirty="0" err="1"/>
+              <a:t>Officiis</a:t>
+            </a:r>
+            <a:r>
+              <a:rPr lang="en-US" sz="1200" dirty="0"/>
+              <a:t> </a:t>
+            </a:r>
+            <a:r>
+              <a:rPr lang="en-US" sz="1200" dirty="0" err="1"/>
+              <a:t>voluptatem</a:t>
+            </a:r>
+            <a:r>
+              <a:rPr lang="en-US" sz="1200" dirty="0"/>
+              <a:t> </a:t>
+            </a:r>
+            <a:r>
+              <a:rPr lang="en-US" sz="1200" dirty="0" err="1"/>
+              <a:t>vel</a:t>
+            </a:r>
+            <a:r>
+              <a:rPr lang="en-US" sz="1200" dirty="0"/>
+              <a:t> </a:t>
+            </a:r>
+            <a:r>
+              <a:rPr lang="en-US" sz="1200" dirty="0" err="1"/>
+              <a:t>labore</a:t>
+            </a:r>
+            <a:r>
+              <a:rPr lang="en-US" sz="1200" dirty="0"/>
+              <a:t>. </a:t>
+            </a:r>
+            <a:r>
+              <a:rPr lang="en-US" sz="1200" dirty="0" err="1"/>
+              <a:t>Illum</a:t>
+            </a:r>
+            <a:r>
+              <a:rPr lang="en-US" sz="1200" dirty="0"/>
+              <a:t> </a:t>
+            </a:r>
+            <a:r>
+              <a:rPr lang="en-US" sz="1200" dirty="0" err="1"/>
+              <a:t>eligendi</a:t>
+            </a:r>
+            <a:r>
+              <a:rPr lang="en-US" sz="1200" dirty="0"/>
+              <a:t> </a:t>
+            </a:r>
+            <a:r>
+              <a:rPr lang="en-US" sz="1200" dirty="0" err="1"/>
+              <a:t>reiciendis</a:t>
+            </a:r>
+            <a:r>
+              <a:rPr lang="en-US" sz="1200" dirty="0"/>
+              <a:t> et </a:t>
+            </a:r>
+            <a:r>
+              <a:rPr lang="en-US" sz="1200" dirty="0" err="1"/>
+              <a:t>reiciendis</a:t>
+            </a:r>
+            <a:r>
+              <a:rPr lang="en-US" sz="1200" dirty="0"/>
+              <a:t>.</a:t>
+            </a:r>
+          </a:p>
+          <a:p>
+            <a:pPr fontAlgn="base"/>
+            <a:r>
+              <a:rPr lang="en-US" sz="1200" dirty="0" err="1"/>
+              <a:t>Rerum</a:t>
+            </a:r>
+            <a:r>
+              <a:rPr lang="en-US" sz="1200" dirty="0"/>
+              <a:t> </a:t>
+            </a:r>
+            <a:r>
+              <a:rPr lang="en-US" sz="1200" dirty="0" err="1"/>
+              <a:t>voluptatem</a:t>
+            </a:r>
+            <a:r>
+              <a:rPr lang="en-US" sz="1200" dirty="0"/>
+              <a:t> et </a:t>
+            </a:r>
+            <a:r>
+              <a:rPr lang="en-US" sz="1200" dirty="0" err="1"/>
+              <a:t>fugiat</a:t>
+            </a:r>
+            <a:r>
+              <a:rPr lang="en-US" sz="1200" dirty="0"/>
+              <a:t> </a:t>
+            </a:r>
+            <a:r>
+              <a:rPr lang="en-US" sz="1200" dirty="0" err="1"/>
+              <a:t>quaerat</a:t>
+            </a:r>
+            <a:r>
+              <a:rPr lang="en-US" sz="1200" dirty="0"/>
+              <a:t> rem </a:t>
+            </a:r>
+            <a:r>
+              <a:rPr lang="en-US" sz="1200" dirty="0" err="1"/>
+              <a:t>rerum</a:t>
+            </a:r>
+            <a:r>
+              <a:rPr lang="en-US" sz="1200" dirty="0"/>
+              <a:t> est. </a:t>
+            </a:r>
+            <a:r>
+              <a:rPr lang="en-US" sz="1200" dirty="0" err="1"/>
+              <a:t>Aperiam</a:t>
+            </a:r>
+            <a:r>
+              <a:rPr lang="en-US" sz="1200" dirty="0"/>
+              <a:t> </a:t>
+            </a:r>
+            <a:r>
+              <a:rPr lang="en-US" sz="1200" dirty="0" err="1"/>
+              <a:t>dolores</a:t>
+            </a:r>
+            <a:r>
+              <a:rPr lang="en-US" sz="1200" dirty="0"/>
+              <a:t> </a:t>
+            </a:r>
+            <a:r>
+              <a:rPr lang="en-US" sz="1200" dirty="0" err="1"/>
+              <a:t>placeat</a:t>
+            </a:r>
+            <a:r>
+              <a:rPr lang="en-US" sz="1200" dirty="0"/>
+              <a:t> sit </a:t>
+            </a:r>
+            <a:r>
+              <a:rPr lang="en-US" sz="1200" dirty="0" err="1"/>
+              <a:t>dolores</a:t>
+            </a:r>
+            <a:r>
+              <a:rPr lang="en-US" sz="1200" dirty="0"/>
+              <a:t> </a:t>
+            </a:r>
+            <a:r>
+              <a:rPr lang="en-US" sz="1200" dirty="0" err="1"/>
+              <a:t>accusamus</a:t>
+            </a:r>
+            <a:r>
+              <a:rPr lang="en-US" sz="1200" dirty="0"/>
+              <a:t> sit </a:t>
+            </a:r>
+            <a:r>
+              <a:rPr lang="en-US" sz="1200" dirty="0" err="1"/>
+              <a:t>neque</a:t>
+            </a:r>
+            <a:r>
+              <a:rPr lang="en-US" sz="1200" dirty="0"/>
+              <a:t>. </a:t>
+            </a:r>
+            <a:r>
+              <a:rPr lang="en-US" sz="1200" dirty="0" err="1"/>
+              <a:t>Accusantium</a:t>
+            </a:r>
+            <a:r>
+              <a:rPr lang="en-US" sz="1200" dirty="0"/>
+              <a:t> nostrum </a:t>
+            </a:r>
+            <a:r>
+              <a:rPr lang="en-US" sz="1200" dirty="0" err="1"/>
+              <a:t>facilis</a:t>
+            </a:r>
+            <a:r>
+              <a:rPr lang="en-US" sz="1200" dirty="0"/>
+              <a:t> </a:t>
+            </a:r>
+            <a:r>
+              <a:rPr lang="en-US" sz="1200" dirty="0" err="1"/>
+              <a:t>harum</a:t>
+            </a:r>
+            <a:r>
+              <a:rPr lang="en-US" sz="1200" dirty="0"/>
+              <a:t>. </a:t>
+            </a:r>
+            <a:r>
+              <a:rPr lang="en-US" sz="1200" dirty="0" err="1"/>
+              <a:t>Laborum</a:t>
+            </a:r>
+            <a:r>
+              <a:rPr lang="en-US" sz="1200" dirty="0"/>
+              <a:t> sit </a:t>
+            </a:r>
+            <a:r>
+              <a:rPr lang="en-US" sz="1200" dirty="0" err="1"/>
+              <a:t>assumenda</a:t>
+            </a:r>
+            <a:r>
+              <a:rPr lang="en-US" sz="1200" dirty="0"/>
+              <a:t> </a:t>
+            </a:r>
+            <a:r>
+              <a:rPr lang="en-US" sz="1200" dirty="0" err="1"/>
+              <a:t>exercitationem</a:t>
+            </a:r>
+            <a:r>
+              <a:rPr lang="en-US" sz="1200" dirty="0"/>
+              <a:t> </a:t>
+            </a:r>
+            <a:r>
+              <a:rPr lang="en-US" sz="1200" dirty="0" err="1"/>
+              <a:t>illum</a:t>
+            </a:r>
+            <a:r>
+              <a:rPr lang="en-US" sz="1200" dirty="0"/>
+              <a:t> </a:t>
+            </a:r>
+            <a:r>
+              <a:rPr lang="en-US" sz="1200" dirty="0" err="1"/>
+              <a:t>aliquid</a:t>
+            </a:r>
+            <a:r>
+              <a:rPr lang="en-US" sz="1200" dirty="0"/>
+              <a:t> </a:t>
+            </a:r>
+            <a:r>
+              <a:rPr lang="en-US" sz="1200" dirty="0" err="1"/>
+              <a:t>molestias</a:t>
+            </a:r>
+            <a:r>
+              <a:rPr lang="en-US" sz="1200" dirty="0"/>
+              <a:t> ex </a:t>
+            </a:r>
+            <a:r>
+              <a:rPr lang="en-US" sz="1200" dirty="0" err="1"/>
+              <a:t>odio</a:t>
+            </a:r>
+            <a:r>
+              <a:rPr lang="en-US" sz="1200" dirty="0"/>
+              <a:t>. </a:t>
+            </a:r>
+            <a:r>
+              <a:rPr lang="en-US" sz="1200" dirty="0" err="1"/>
+              <a:t>Nesciunt</a:t>
+            </a:r>
+            <a:r>
+              <a:rPr lang="en-US" sz="1200" dirty="0"/>
+              <a:t> </a:t>
+            </a:r>
+            <a:r>
+              <a:rPr lang="en-US" sz="1200" dirty="0" err="1"/>
+              <a:t>dignissimos</a:t>
+            </a:r>
+            <a:r>
+              <a:rPr lang="en-US" sz="1200" dirty="0"/>
+              <a:t> et dolor </a:t>
+            </a:r>
+            <a:r>
+              <a:rPr lang="en-US" sz="1200" dirty="0" err="1"/>
+              <a:t>aut</a:t>
+            </a:r>
+            <a:r>
+              <a:rPr lang="en-US" sz="1200" dirty="0"/>
+              <a:t> id </a:t>
+            </a:r>
+            <a:r>
+              <a:rPr lang="en-US" sz="1200" dirty="0" err="1"/>
+              <a:t>veniam</a:t>
+            </a:r>
+            <a:r>
+              <a:rPr lang="en-US" sz="1200" dirty="0"/>
+              <a:t>. </a:t>
+            </a:r>
+            <a:r>
+              <a:rPr lang="en-US" sz="1200" dirty="0" err="1"/>
+              <a:t>Sed</a:t>
+            </a:r>
+            <a:r>
+              <a:rPr lang="en-US" sz="1200" dirty="0"/>
+              <a:t> </a:t>
+            </a:r>
+            <a:r>
+              <a:rPr lang="en-US" sz="1200" dirty="0" err="1"/>
+              <a:t>ullam</a:t>
+            </a:r>
+            <a:r>
+              <a:rPr lang="en-US" sz="1200" dirty="0"/>
+              <a:t> provident </a:t>
+            </a:r>
+            <a:r>
+              <a:rPr lang="en-US" sz="1200" dirty="0" err="1"/>
+              <a:t>esse</a:t>
+            </a:r>
+            <a:r>
+              <a:rPr lang="en-US" sz="1200" dirty="0"/>
+              <a:t> a nihil qui</a:t>
+            </a:r>
+            <a:r>
+              <a:rPr lang="en-US" sz="1200" dirty="0" smtClean="0"/>
+              <a:t>.</a:t>
+            </a:r>
+            <a:endParaRPr lang="en-US" sz="1200" dirty="0"/>
           </a:p>
         </p:txBody>
       </p:sp>

--- a/doc/wireframe/sample_wireframe.pptx
+++ b/doc/wireframe/sample_wireframe.pptx
@@ -6,6 +6,8 @@
   </p:sldMasterIdLst>
   <p:sldIdLst>
     <p:sldId id="256" r:id="rId2"/>
+    <p:sldId id="257" r:id="rId3"/>
+    <p:sldId id="258" r:id="rId4"/>
   </p:sldIdLst>
   <p:sldSz cx="12192000" cy="6858000"/>
   <p:notesSz cx="6858000" cy="9144000"/>
@@ -3291,7 +3293,7 @@
         <p:spPr>
           <a:xfrm>
             <a:off x="5054600" y="838200"/>
-            <a:ext cx="6985001" cy="5277787"/>
+            <a:ext cx="6985001" cy="5219699"/>
           </a:xfrm>
           <a:prstGeom prst="rect">
             <a:avLst/>
@@ -3752,6 +3754,640 @@
     <p:extLst>
       <p:ext uri="{BB962C8B-B14F-4D97-AF65-F5344CB8AC3E}">
         <p14:creationId xmlns:p14="http://schemas.microsoft.com/office/powerpoint/2010/main" val="4022789905"/>
+      </p:ext>
+    </p:extLst>
+  </p:cSld>
+  <p:clrMapOvr>
+    <a:masterClrMapping/>
+  </p:clrMapOvr>
+</p:sld>
+</file>
+
+<file path=ppt/slides/slide2.xml><?xml version="1.0" encoding="utf-8"?>
+<p:sld xmlns:a="http://schemas.openxmlformats.org/drawingml/2006/main" xmlns:r="http://schemas.openxmlformats.org/officeDocument/2006/relationships" xmlns:p="http://schemas.openxmlformats.org/presentationml/2006/main">
+  <p:cSld>
+    <p:spTree>
+      <p:nvGrpSpPr>
+        <p:cNvPr id="1" name=""/>
+        <p:cNvGrpSpPr/>
+        <p:nvPr/>
+      </p:nvGrpSpPr>
+      <p:grpSpPr>
+        <a:xfrm>
+          <a:off x="0" y="0"/>
+          <a:ext cx="0" cy="0"/>
+          <a:chOff x="0" y="0"/>
+          <a:chExt cx="0" cy="0"/>
+        </a:xfrm>
+      </p:grpSpPr>
+      <p:sp>
+        <p:nvSpPr>
+          <p:cNvPr id="2" name="Rectangle 1"/>
+          <p:cNvSpPr/>
+          <p:nvPr/>
+        </p:nvSpPr>
+        <p:spPr>
+          <a:xfrm>
+            <a:off x="1905000" y="419100"/>
+            <a:ext cx="8648700" cy="6159500"/>
+          </a:xfrm>
+          <a:prstGeom prst="rect">
+            <a:avLst/>
+          </a:prstGeom>
+          <a:noFill/>
+          <a:ln>
+            <a:solidFill>
+              <a:schemeClr val="tx1"/>
+            </a:solidFill>
+          </a:ln>
+        </p:spPr>
+        <p:style>
+          <a:lnRef idx="2">
+            <a:schemeClr val="accent1">
+              <a:shade val="50000"/>
+            </a:schemeClr>
+          </a:lnRef>
+          <a:fillRef idx="1">
+            <a:schemeClr val="accent1"/>
+          </a:fillRef>
+          <a:effectRef idx="0">
+            <a:schemeClr val="accent1"/>
+          </a:effectRef>
+          <a:fontRef idx="minor">
+            <a:schemeClr val="lt1"/>
+          </a:fontRef>
+        </p:style>
+        <p:txBody>
+          <a:bodyPr rtlCol="0" anchor="ctr"/>
+          <a:lstStyle/>
+          <a:p>
+            <a:pPr algn="ctr"/>
+            <a:endParaRPr lang="en-US"/>
+          </a:p>
+        </p:txBody>
+      </p:sp>
+      <p:sp>
+        <p:nvSpPr>
+          <p:cNvPr id="3" name="Rectangle 2"/>
+          <p:cNvSpPr/>
+          <p:nvPr/>
+        </p:nvSpPr>
+        <p:spPr>
+          <a:xfrm>
+            <a:off x="1905000" y="419100"/>
+            <a:ext cx="8648700" cy="609600"/>
+          </a:xfrm>
+          <a:prstGeom prst="rect">
+            <a:avLst/>
+          </a:prstGeom>
+        </p:spPr>
+        <p:style>
+          <a:lnRef idx="2">
+            <a:schemeClr val="accent1">
+              <a:shade val="50000"/>
+            </a:schemeClr>
+          </a:lnRef>
+          <a:fillRef idx="1">
+            <a:schemeClr val="accent1"/>
+          </a:fillRef>
+          <a:effectRef idx="0">
+            <a:schemeClr val="accent1"/>
+          </a:effectRef>
+          <a:fontRef idx="minor">
+            <a:schemeClr val="lt1"/>
+          </a:fontRef>
+        </p:style>
+        <p:txBody>
+          <a:bodyPr rtlCol="0" anchor="ctr"/>
+          <a:lstStyle/>
+          <a:p>
+            <a:pPr algn="ctr"/>
+            <a:r>
+              <a:rPr lang="en-US" dirty="0" smtClean="0"/>
+              <a:t>&lt;header&gt;&lt;/header&gt;</a:t>
+            </a:r>
+            <a:endParaRPr lang="en-US" dirty="0"/>
+          </a:p>
+        </p:txBody>
+      </p:sp>
+      <p:sp>
+        <p:nvSpPr>
+          <p:cNvPr id="4" name="Rectangle 3"/>
+          <p:cNvSpPr/>
+          <p:nvPr/>
+        </p:nvSpPr>
+        <p:spPr>
+          <a:xfrm>
+            <a:off x="1905000" y="1028700"/>
+            <a:ext cx="8648700" cy="5549900"/>
+          </a:xfrm>
+          <a:prstGeom prst="rect">
+            <a:avLst/>
+          </a:prstGeom>
+        </p:spPr>
+        <p:style>
+          <a:lnRef idx="2">
+            <a:schemeClr val="accent1">
+              <a:shade val="50000"/>
+            </a:schemeClr>
+          </a:lnRef>
+          <a:fillRef idx="1">
+            <a:schemeClr val="accent1"/>
+          </a:fillRef>
+          <a:effectRef idx="0">
+            <a:schemeClr val="accent1"/>
+          </a:effectRef>
+          <a:fontRef idx="minor">
+            <a:schemeClr val="lt1"/>
+          </a:fontRef>
+        </p:style>
+        <p:txBody>
+          <a:bodyPr rtlCol="0" anchor="ctr"/>
+          <a:lstStyle/>
+          <a:p>
+            <a:pPr algn="ctr"/>
+            <a:endParaRPr lang="en-US" dirty="0"/>
+          </a:p>
+        </p:txBody>
+      </p:sp>
+      <p:sp>
+        <p:nvSpPr>
+          <p:cNvPr id="5" name="Rectangle 4"/>
+          <p:cNvSpPr/>
+          <p:nvPr/>
+        </p:nvSpPr>
+        <p:spPr>
+          <a:xfrm>
+            <a:off x="3816626" y="5950226"/>
+            <a:ext cx="6737074" cy="609600"/>
+          </a:xfrm>
+          <a:prstGeom prst="rect">
+            <a:avLst/>
+          </a:prstGeom>
+        </p:spPr>
+        <p:style>
+          <a:lnRef idx="2">
+            <a:schemeClr val="accent1">
+              <a:shade val="50000"/>
+            </a:schemeClr>
+          </a:lnRef>
+          <a:fillRef idx="1">
+            <a:schemeClr val="accent1"/>
+          </a:fillRef>
+          <a:effectRef idx="0">
+            <a:schemeClr val="accent1"/>
+          </a:effectRef>
+          <a:fontRef idx="minor">
+            <a:schemeClr val="lt1"/>
+          </a:fontRef>
+        </p:style>
+        <p:txBody>
+          <a:bodyPr rtlCol="0" anchor="ctr"/>
+          <a:lstStyle/>
+          <a:p>
+            <a:pPr algn="ctr"/>
+            <a:r>
+              <a:rPr lang="en-US" dirty="0" smtClean="0"/>
+              <a:t>&lt;footer&gt;&lt;/footer&gt;</a:t>
+            </a:r>
+            <a:endParaRPr lang="en-US" dirty="0"/>
+          </a:p>
+        </p:txBody>
+      </p:sp>
+      <p:sp>
+        <p:nvSpPr>
+          <p:cNvPr id="6" name="Rectangle 5"/>
+          <p:cNvSpPr/>
+          <p:nvPr/>
+        </p:nvSpPr>
+        <p:spPr>
+          <a:xfrm>
+            <a:off x="1905000" y="1028700"/>
+            <a:ext cx="1911626" cy="5549900"/>
+          </a:xfrm>
+          <a:prstGeom prst="rect">
+            <a:avLst/>
+          </a:prstGeom>
+          <a:solidFill>
+            <a:schemeClr val="accent1">
+              <a:lumMod val="50000"/>
+            </a:schemeClr>
+          </a:solidFill>
+        </p:spPr>
+        <p:style>
+          <a:lnRef idx="2">
+            <a:schemeClr val="accent1">
+              <a:shade val="50000"/>
+            </a:schemeClr>
+          </a:lnRef>
+          <a:fillRef idx="1">
+            <a:schemeClr val="accent1"/>
+          </a:fillRef>
+          <a:effectRef idx="0">
+            <a:schemeClr val="accent1"/>
+          </a:effectRef>
+          <a:fontRef idx="minor">
+            <a:schemeClr val="lt1"/>
+          </a:fontRef>
+        </p:style>
+        <p:txBody>
+          <a:bodyPr rtlCol="0" anchor="ctr"/>
+          <a:lstStyle/>
+          <a:p>
+            <a:pPr algn="ctr"/>
+            <a:r>
+              <a:rPr lang="en-US" dirty="0" smtClean="0"/>
+              <a:t>&lt;</a:t>
+            </a:r>
+            <a:r>
+              <a:rPr lang="en-US" dirty="0" err="1" smtClean="0"/>
+              <a:t>nav</a:t>
+            </a:r>
+            <a:r>
+              <a:rPr lang="en-US" dirty="0" smtClean="0"/>
+              <a:t>&gt;&lt;/</a:t>
+            </a:r>
+            <a:r>
+              <a:rPr lang="en-US" dirty="0" err="1" smtClean="0"/>
+              <a:t>nav</a:t>
+            </a:r>
+            <a:r>
+              <a:rPr lang="en-US" dirty="0" smtClean="0"/>
+              <a:t>&gt;</a:t>
+            </a:r>
+            <a:endParaRPr lang="en-US" dirty="0"/>
+          </a:p>
+        </p:txBody>
+      </p:sp>
+      <p:sp>
+        <p:nvSpPr>
+          <p:cNvPr id="7" name="Rectangle 6"/>
+          <p:cNvSpPr/>
+          <p:nvPr/>
+        </p:nvSpPr>
+        <p:spPr>
+          <a:xfrm>
+            <a:off x="3816626" y="1028700"/>
+            <a:ext cx="1911626" cy="4921526"/>
+          </a:xfrm>
+          <a:prstGeom prst="rect">
+            <a:avLst/>
+          </a:prstGeom>
+          <a:solidFill>
+            <a:schemeClr val="accent2">
+              <a:lumMod val="50000"/>
+            </a:schemeClr>
+          </a:solidFill>
+        </p:spPr>
+        <p:style>
+          <a:lnRef idx="2">
+            <a:schemeClr val="accent1">
+              <a:shade val="50000"/>
+            </a:schemeClr>
+          </a:lnRef>
+          <a:fillRef idx="1">
+            <a:schemeClr val="accent1"/>
+          </a:fillRef>
+          <a:effectRef idx="0">
+            <a:schemeClr val="accent1"/>
+          </a:effectRef>
+          <a:fontRef idx="minor">
+            <a:schemeClr val="lt1"/>
+          </a:fontRef>
+        </p:style>
+        <p:txBody>
+          <a:bodyPr rtlCol="0" anchor="ctr"/>
+          <a:lstStyle/>
+          <a:p>
+            <a:pPr algn="ctr"/>
+            <a:r>
+              <a:rPr lang="en-US" dirty="0" smtClean="0"/>
+              <a:t>&lt;div&gt;&lt;/div&gt;</a:t>
+            </a:r>
+            <a:endParaRPr lang="en-US" dirty="0"/>
+          </a:p>
+        </p:txBody>
+      </p:sp>
+      <p:sp>
+        <p:nvSpPr>
+          <p:cNvPr id="8" name="Rectangle 7"/>
+          <p:cNvSpPr/>
+          <p:nvPr/>
+        </p:nvSpPr>
+        <p:spPr>
+          <a:xfrm>
+            <a:off x="5728252" y="1038087"/>
+            <a:ext cx="4825448" cy="4921526"/>
+          </a:xfrm>
+          <a:prstGeom prst="rect">
+            <a:avLst/>
+          </a:prstGeom>
+          <a:solidFill>
+            <a:schemeClr val="accent2">
+              <a:lumMod val="50000"/>
+            </a:schemeClr>
+          </a:solidFill>
+        </p:spPr>
+        <p:style>
+          <a:lnRef idx="2">
+            <a:schemeClr val="accent1">
+              <a:shade val="50000"/>
+            </a:schemeClr>
+          </a:lnRef>
+          <a:fillRef idx="1">
+            <a:schemeClr val="accent1"/>
+          </a:fillRef>
+          <a:effectRef idx="0">
+            <a:schemeClr val="accent1"/>
+          </a:effectRef>
+          <a:fontRef idx="minor">
+            <a:schemeClr val="lt1"/>
+          </a:fontRef>
+        </p:style>
+        <p:txBody>
+          <a:bodyPr rtlCol="0" anchor="ctr"/>
+          <a:lstStyle/>
+          <a:p>
+            <a:pPr algn="ctr"/>
+            <a:endParaRPr lang="en-US" dirty="0"/>
+          </a:p>
+        </p:txBody>
+      </p:sp>
+      <p:sp>
+        <p:nvSpPr>
+          <p:cNvPr id="9" name="Rectangle 8"/>
+          <p:cNvSpPr/>
+          <p:nvPr/>
+        </p:nvSpPr>
+        <p:spPr>
+          <a:xfrm>
+            <a:off x="5965371" y="1335314"/>
+            <a:ext cx="4354286" cy="4383315"/>
+          </a:xfrm>
+          <a:prstGeom prst="rect">
+            <a:avLst/>
+          </a:prstGeom>
+        </p:spPr>
+        <p:style>
+          <a:lnRef idx="2">
+            <a:schemeClr val="accent1">
+              <a:shade val="50000"/>
+            </a:schemeClr>
+          </a:lnRef>
+          <a:fillRef idx="1">
+            <a:schemeClr val="accent1"/>
+          </a:fillRef>
+          <a:effectRef idx="0">
+            <a:schemeClr val="accent1"/>
+          </a:effectRef>
+          <a:fontRef idx="minor">
+            <a:schemeClr val="lt1"/>
+          </a:fontRef>
+        </p:style>
+        <p:txBody>
+          <a:bodyPr rtlCol="0" anchor="ctr"/>
+          <a:lstStyle/>
+          <a:p>
+            <a:pPr algn="ctr"/>
+            <a:r>
+              <a:rPr lang="en-US" dirty="0" smtClean="0"/>
+              <a:t>&lt;</a:t>
+            </a:r>
+            <a:r>
+              <a:rPr lang="en-US" dirty="0" err="1" smtClean="0"/>
+              <a:t>img</a:t>
+            </a:r>
+            <a:r>
+              <a:rPr lang="en-US" dirty="0" smtClean="0"/>
+              <a:t>&gt;</a:t>
+            </a:r>
+            <a:endParaRPr lang="en-US" dirty="0"/>
+          </a:p>
+        </p:txBody>
+      </p:sp>
+    </p:spTree>
+    <p:extLst>
+      <p:ext uri="{BB962C8B-B14F-4D97-AF65-F5344CB8AC3E}">
+        <p14:creationId xmlns:p14="http://schemas.microsoft.com/office/powerpoint/2010/main" val="3110078111"/>
+      </p:ext>
+    </p:extLst>
+  </p:cSld>
+  <p:clrMapOvr>
+    <a:masterClrMapping/>
+  </p:clrMapOvr>
+</p:sld>
+</file>
+
+<file path=ppt/slides/slide3.xml><?xml version="1.0" encoding="utf-8"?>
+<p:sld xmlns:a="http://schemas.openxmlformats.org/drawingml/2006/main" xmlns:r="http://schemas.openxmlformats.org/officeDocument/2006/relationships" xmlns:p="http://schemas.openxmlformats.org/presentationml/2006/main">
+  <p:cSld>
+    <p:spTree>
+      <p:nvGrpSpPr>
+        <p:cNvPr id="1" name=""/>
+        <p:cNvGrpSpPr/>
+        <p:nvPr/>
+      </p:nvGrpSpPr>
+      <p:grpSpPr>
+        <a:xfrm>
+          <a:off x="0" y="0"/>
+          <a:ext cx="0" cy="0"/>
+          <a:chOff x="0" y="0"/>
+          <a:chExt cx="0" cy="0"/>
+        </a:xfrm>
+      </p:grpSpPr>
+      <p:sp>
+        <p:nvSpPr>
+          <p:cNvPr id="2" name="Rectangle 1"/>
+          <p:cNvSpPr/>
+          <p:nvPr/>
+        </p:nvSpPr>
+        <p:spPr>
+          <a:xfrm>
+            <a:off x="2177143" y="812800"/>
+            <a:ext cx="6705600" cy="5065486"/>
+          </a:xfrm>
+          <a:prstGeom prst="rect">
+            <a:avLst/>
+          </a:prstGeom>
+          <a:ln w="76200"/>
+        </p:spPr>
+        <p:style>
+          <a:lnRef idx="2">
+            <a:schemeClr val="accent1">
+              <a:shade val="50000"/>
+            </a:schemeClr>
+          </a:lnRef>
+          <a:fillRef idx="1">
+            <a:schemeClr val="accent1"/>
+          </a:fillRef>
+          <a:effectRef idx="0">
+            <a:schemeClr val="accent1"/>
+          </a:effectRef>
+          <a:fontRef idx="minor">
+            <a:schemeClr val="lt1"/>
+          </a:fontRef>
+        </p:style>
+        <p:txBody>
+          <a:bodyPr rtlCol="0" anchor="ctr"/>
+          <a:lstStyle/>
+          <a:p>
+            <a:pPr algn="ctr"/>
+            <a:endParaRPr lang="en-US"/>
+          </a:p>
+        </p:txBody>
+      </p:sp>
+      <p:sp>
+        <p:nvSpPr>
+          <p:cNvPr id="3" name="Rectangle 2"/>
+          <p:cNvSpPr/>
+          <p:nvPr/>
+        </p:nvSpPr>
+        <p:spPr>
+          <a:xfrm>
+            <a:off x="1973943" y="609600"/>
+            <a:ext cx="7097486" cy="5486400"/>
+          </a:xfrm>
+          <a:prstGeom prst="rect">
+            <a:avLst/>
+          </a:prstGeom>
+          <a:noFill/>
+          <a:ln>
+            <a:prstDash val="dash"/>
+          </a:ln>
+        </p:spPr>
+        <p:style>
+          <a:lnRef idx="2">
+            <a:schemeClr val="accent1">
+              <a:shade val="50000"/>
+            </a:schemeClr>
+          </a:lnRef>
+          <a:fillRef idx="1">
+            <a:schemeClr val="accent1"/>
+          </a:fillRef>
+          <a:effectRef idx="0">
+            <a:schemeClr val="accent1"/>
+          </a:effectRef>
+          <a:fontRef idx="minor">
+            <a:schemeClr val="lt1"/>
+          </a:fontRef>
+        </p:style>
+        <p:txBody>
+          <a:bodyPr rtlCol="0" anchor="ctr"/>
+          <a:lstStyle/>
+          <a:p>
+            <a:pPr algn="ctr"/>
+            <a:endParaRPr lang="en-US"/>
+          </a:p>
+        </p:txBody>
+      </p:sp>
+      <p:sp>
+        <p:nvSpPr>
+          <p:cNvPr id="4" name="TextBox 3"/>
+          <p:cNvSpPr txBox="1"/>
+          <p:nvPr/>
+        </p:nvSpPr>
+        <p:spPr>
+          <a:xfrm>
+            <a:off x="8171543" y="225754"/>
+            <a:ext cx="2307771" cy="369332"/>
+          </a:xfrm>
+          <a:prstGeom prst="rect">
+            <a:avLst/>
+          </a:prstGeom>
+          <a:noFill/>
+        </p:spPr>
+        <p:txBody>
+          <a:bodyPr wrap="square" rtlCol="0">
+            <a:spAutoFit/>
+          </a:bodyPr>
+          <a:lstStyle/>
+          <a:p>
+            <a:r>
+              <a:rPr lang="en-US" dirty="0" smtClean="0"/>
+              <a:t>Margin</a:t>
+            </a:r>
+            <a:endParaRPr lang="en-US" dirty="0"/>
+          </a:p>
+        </p:txBody>
+      </p:sp>
+      <p:sp>
+        <p:nvSpPr>
+          <p:cNvPr id="5" name="Rectangle 4"/>
+          <p:cNvSpPr/>
+          <p:nvPr/>
+        </p:nvSpPr>
+        <p:spPr>
+          <a:xfrm>
+            <a:off x="2373086" y="1008743"/>
+            <a:ext cx="6350000" cy="4695371"/>
+          </a:xfrm>
+          <a:prstGeom prst="rect">
+            <a:avLst/>
+          </a:prstGeom>
+          <a:noFill/>
+          <a:ln>
+            <a:prstDash val="dash"/>
+          </a:ln>
+        </p:spPr>
+        <p:style>
+          <a:lnRef idx="2">
+            <a:schemeClr val="accent1">
+              <a:shade val="50000"/>
+            </a:schemeClr>
+          </a:lnRef>
+          <a:fillRef idx="1">
+            <a:schemeClr val="accent1"/>
+          </a:fillRef>
+          <a:effectRef idx="0">
+            <a:schemeClr val="accent1"/>
+          </a:effectRef>
+          <a:fontRef idx="minor">
+            <a:schemeClr val="lt1"/>
+          </a:fontRef>
+        </p:style>
+        <p:txBody>
+          <a:bodyPr rtlCol="0" anchor="ctr"/>
+          <a:lstStyle/>
+          <a:p>
+            <a:pPr algn="ctr"/>
+            <a:endParaRPr lang="en-US"/>
+          </a:p>
+        </p:txBody>
+      </p:sp>
+      <p:sp>
+        <p:nvSpPr>
+          <p:cNvPr id="6" name="TextBox 5"/>
+          <p:cNvSpPr txBox="1"/>
+          <p:nvPr/>
+        </p:nvSpPr>
+        <p:spPr>
+          <a:xfrm>
+            <a:off x="5704116" y="1053068"/>
+            <a:ext cx="2307771" cy="369332"/>
+          </a:xfrm>
+          <a:prstGeom prst="rect">
+            <a:avLst/>
+          </a:prstGeom>
+          <a:noFill/>
+        </p:spPr>
+        <p:txBody>
+          <a:bodyPr wrap="square" rtlCol="0">
+            <a:spAutoFit/>
+          </a:bodyPr>
+          <a:lstStyle/>
+          <a:p>
+            <a:r>
+              <a:rPr lang="en-US" dirty="0" smtClean="0"/>
+              <a:t>padding</a:t>
+            </a:r>
+            <a:endParaRPr lang="en-US" dirty="0"/>
+          </a:p>
+        </p:txBody>
+      </p:sp>
+    </p:spTree>
+    <p:extLst>
+      <p:ext uri="{BB962C8B-B14F-4D97-AF65-F5344CB8AC3E}">
+        <p14:creationId xmlns:p14="http://schemas.microsoft.com/office/powerpoint/2010/main" val="918628426"/>
       </p:ext>
     </p:extLst>
   </p:cSld>
